--- a/Intro to AI.pptx
+++ b/Intro to AI.pptx
@@ -9,13 +9,12 @@
     <p:sldId id="257" r:id="rId3"/>
     <p:sldId id="266" r:id="rId4"/>
     <p:sldId id="258" r:id="rId5"/>
-    <p:sldId id="260" r:id="rId6"/>
-    <p:sldId id="259" r:id="rId7"/>
-    <p:sldId id="262" r:id="rId8"/>
-    <p:sldId id="261" r:id="rId9"/>
-    <p:sldId id="263" r:id="rId10"/>
-    <p:sldId id="264" r:id="rId11"/>
-    <p:sldId id="265" r:id="rId12"/>
+    <p:sldId id="259" r:id="rId6"/>
+    <p:sldId id="262" r:id="rId7"/>
+    <p:sldId id="261" r:id="rId8"/>
+    <p:sldId id="263" r:id="rId9"/>
+    <p:sldId id="264" r:id="rId10"/>
+    <p:sldId id="265" r:id="rId11"/>
   </p:sldIdLst>
   <p:sldSz cx="12192000" cy="6858000"/>
   <p:notesSz cx="6858000" cy="9144000"/>
@@ -114,6 +113,11 @@
       </a:defRPr>
     </a:lvl9pPr>
   </p:defaultTextStyle>
+  <p:extLst>
+    <p:ext uri="{EFAFB233-063F-42B5-8137-9DF3F51BA10A}">
+      <p15:sldGuideLst xmlns:p15="http://schemas.microsoft.com/office/powerpoint/2012/main"/>
+    </p:ext>
+  </p:extLst>
 </p:presentation>
 </file>
 
@@ -3412,182 +3416,6 @@
           <a:p>
             <a:r>
               <a:rPr lang="en-US" dirty="0"/>
-              <a:t>Neural Networks – Example</a:t>
-            </a:r>
-          </a:p>
-        </p:txBody>
-      </p:sp>
-      <p:sp>
-        <p:nvSpPr>
-          <p:cNvPr id="3" name="Content Placeholder 2">
-            <a:extLst>
-              <a:ext uri="{FF2B5EF4-FFF2-40B4-BE49-F238E27FC236}">
-                <a16:creationId xmlns:a16="http://schemas.microsoft.com/office/drawing/2014/main" id="{C48BFDF9-783B-141D-3DA2-796F6B3ED0F3}"/>
-              </a:ext>
-            </a:extLst>
-          </p:cNvPr>
-          <p:cNvSpPr>
-            <a:spLocks noGrp="1"/>
-          </p:cNvSpPr>
-          <p:nvPr>
-            <p:ph idx="1"/>
-          </p:nvPr>
-        </p:nvSpPr>
-        <p:spPr>
-          <a:xfrm>
-            <a:off x="838200" y="2468880"/>
-            <a:ext cx="6846849" cy="3864199"/>
-          </a:xfrm>
-        </p:spPr>
-        <p:txBody>
-          <a:bodyPr>
-            <a:normAutofit/>
-          </a:bodyPr>
-          <a:lstStyle/>
-          <a:p>
-            <a:r>
-              <a:rPr lang="en-US" dirty="0"/>
-              <a:t>This uses the MNIST dataset</a:t>
-            </a:r>
-          </a:p>
-          <a:p>
-            <a:endParaRPr lang="en-US" dirty="0"/>
-          </a:p>
-          <a:p>
-            <a:r>
-              <a:rPr lang="en-US" dirty="0"/>
-              <a:t>Each number is a separate</a:t>
-            </a:r>
-          </a:p>
-          <a:p>
-            <a:pPr marL="0" indent="0">
-              <a:buNone/>
-            </a:pPr>
-            <a:r>
-              <a:rPr lang="en-US" dirty="0"/>
-              <a:t>Image.</a:t>
-            </a:r>
-          </a:p>
-          <a:p>
-            <a:pPr marL="0" indent="0">
-              <a:buNone/>
-            </a:pPr>
-            <a:endParaRPr lang="en-US" dirty="0"/>
-          </a:p>
-          <a:p>
-            <a:r>
-              <a:rPr lang="en-US" dirty="0"/>
-              <a:t>Each number is labelled</a:t>
-            </a:r>
-          </a:p>
-          <a:p>
-            <a:pPr marL="0" indent="0">
-              <a:buNone/>
-            </a:pPr>
-            <a:endParaRPr lang="en-US" dirty="0"/>
-          </a:p>
-        </p:txBody>
-      </p:sp>
-      <p:pic>
-        <p:nvPicPr>
-          <p:cNvPr id="3074" name="Picture 2">
-            <a:extLst>
-              <a:ext uri="{FF2B5EF4-FFF2-40B4-BE49-F238E27FC236}">
-                <a16:creationId xmlns:a16="http://schemas.microsoft.com/office/drawing/2014/main" id="{0B999B7C-56EF-5412-CE99-77F23D04C21C}"/>
-              </a:ext>
-            </a:extLst>
-          </p:cNvPr>
-          <p:cNvPicPr>
-            <a:picLocks noChangeAspect="1" noChangeArrowheads="1"/>
-          </p:cNvPicPr>
-          <p:nvPr/>
-        </p:nvPicPr>
-        <p:blipFill>
-          <a:blip r:embed="rId2">
-            <a:extLst>
-              <a:ext uri="{28A0092B-C50C-407E-A947-70E740481C1C}">
-                <a14:useLocalDpi xmlns:a14="http://schemas.microsoft.com/office/drawing/2010/main" val="0"/>
-              </a:ext>
-            </a:extLst>
-          </a:blip>
-          <a:srcRect/>
-          <a:stretch>
-            <a:fillRect/>
-          </a:stretch>
-        </p:blipFill>
-        <p:spPr bwMode="auto">
-          <a:xfrm>
-            <a:off x="5703292" y="2379935"/>
-            <a:ext cx="5750027" cy="3377275"/>
-          </a:xfrm>
-          <a:prstGeom prst="rect">
-            <a:avLst/>
-          </a:prstGeom>
-          <a:noFill/>
-          <a:extLst>
-            <a:ext uri="{909E8E84-426E-40DD-AFC4-6F175D3DCCD1}">
-              <a14:hiddenFill xmlns:a14="http://schemas.microsoft.com/office/drawing/2010/main">
-                <a:solidFill>
-                  <a:srgbClr val="FFFFFF"/>
-                </a:solidFill>
-              </a14:hiddenFill>
-            </a:ext>
-          </a:extLst>
-        </p:spPr>
-      </p:pic>
-    </p:spTree>
-    <p:extLst>
-      <p:ext uri="{BB962C8B-B14F-4D97-AF65-F5344CB8AC3E}">
-        <p14:creationId xmlns:p14="http://schemas.microsoft.com/office/powerpoint/2010/main" val="27158762"/>
-      </p:ext>
-    </p:extLst>
-  </p:cSld>
-  <p:clrMapOvr>
-    <a:masterClrMapping/>
-  </p:clrMapOvr>
-</p:sld>
-</file>
-
-<file path=ppt/slides/slide11.xml><?xml version="1.0" encoding="utf-8"?>
-<p:sld xmlns:a="http://schemas.openxmlformats.org/drawingml/2006/main" xmlns:r="http://schemas.openxmlformats.org/officeDocument/2006/relationships" xmlns:p="http://schemas.openxmlformats.org/presentationml/2006/main">
-  <p:cSld>
-    <p:spTree>
-      <p:nvGrpSpPr>
-        <p:cNvPr id="1" name=""/>
-        <p:cNvGrpSpPr/>
-        <p:nvPr/>
-      </p:nvGrpSpPr>
-      <p:grpSpPr>
-        <a:xfrm>
-          <a:off x="0" y="0"/>
-          <a:ext cx="0" cy="0"/>
-          <a:chOff x="0" y="0"/>
-          <a:chExt cx="0" cy="0"/>
-        </a:xfrm>
-      </p:grpSpPr>
-      <p:sp>
-        <p:nvSpPr>
-          <p:cNvPr id="2" name="Title 1">
-            <a:extLst>
-              <a:ext uri="{FF2B5EF4-FFF2-40B4-BE49-F238E27FC236}">
-                <a16:creationId xmlns:a16="http://schemas.microsoft.com/office/drawing/2014/main" id="{E3EA95B2-3C93-060D-6CAD-9B0E79939AA7}"/>
-              </a:ext>
-            </a:extLst>
-          </p:cNvPr>
-          <p:cNvSpPr>
-            <a:spLocks noGrp="1"/>
-          </p:cNvSpPr>
-          <p:nvPr>
-            <p:ph type="title"/>
-          </p:nvPr>
-        </p:nvSpPr>
-        <p:spPr/>
-        <p:txBody>
-          <a:bodyPr/>
-          <a:lstStyle/>
-          <a:p>
-            <a:r>
-              <a:rPr lang="en-US" dirty="0"/>
               <a:t>Neural Networks – LLMs</a:t>
             </a:r>
           </a:p>
@@ -3962,6 +3790,42 @@
           </a:extLst>
         </p:spPr>
       </p:pic>
+      <p:sp>
+        <p:nvSpPr>
+          <p:cNvPr id="3" name="TextBox 2">
+            <a:extLst>
+              <a:ext uri="{FF2B5EF4-FFF2-40B4-BE49-F238E27FC236}">
+                <a16:creationId xmlns:a16="http://schemas.microsoft.com/office/drawing/2014/main" id="{416716D5-263D-9AC3-573D-02CD06747F2C}"/>
+              </a:ext>
+            </a:extLst>
+          </p:cNvPr>
+          <p:cNvSpPr txBox="1"/>
+          <p:nvPr/>
+        </p:nvSpPr>
+        <p:spPr>
+          <a:xfrm>
+            <a:off x="0" y="6492876"/>
+            <a:ext cx="12003741" cy="369332"/>
+          </a:xfrm>
+          <a:prstGeom prst="rect">
+            <a:avLst/>
+          </a:prstGeom>
+          <a:noFill/>
+        </p:spPr>
+        <p:txBody>
+          <a:bodyPr wrap="square" rtlCol="0">
+            <a:spAutoFit/>
+          </a:bodyPr>
+          <a:lstStyle/>
+          <a:p>
+            <a:r>
+              <a:rPr lang="en-US" dirty="0"/>
+              <a:t>From: “A Comprehensive Review on Radiomics and Deep Learning for Nasopharyngeal Carcinoma Imaging”, Song Li, et al; 2021</a:t>
+            </a:r>
+            <a:endParaRPr lang="pt-BR" dirty="0"/>
+          </a:p>
+        </p:txBody>
+      </p:sp>
     </p:spTree>
     <p:extLst>
       <p:ext uri="{BB962C8B-B14F-4D97-AF65-F5344CB8AC3E}">
@@ -4120,6 +3984,42 @@
           </a:extLst>
         </p:spPr>
       </p:pic>
+      <p:sp>
+        <p:nvSpPr>
+          <p:cNvPr id="4" name="TextBox 3">
+            <a:extLst>
+              <a:ext uri="{FF2B5EF4-FFF2-40B4-BE49-F238E27FC236}">
+                <a16:creationId xmlns:a16="http://schemas.microsoft.com/office/drawing/2014/main" id="{29AA2A7F-638E-1524-4EA2-A9CC72B55F24}"/>
+              </a:ext>
+            </a:extLst>
+          </p:cNvPr>
+          <p:cNvSpPr txBox="1"/>
+          <p:nvPr/>
+        </p:nvSpPr>
+        <p:spPr>
+          <a:xfrm>
+            <a:off x="4467239" y="6522523"/>
+            <a:ext cx="4219575" cy="369332"/>
+          </a:xfrm>
+          <a:prstGeom prst="rect">
+            <a:avLst/>
+          </a:prstGeom>
+          <a:noFill/>
+        </p:spPr>
+        <p:txBody>
+          <a:bodyPr wrap="square" rtlCol="0">
+            <a:spAutoFit/>
+          </a:bodyPr>
+          <a:lstStyle/>
+          <a:p>
+            <a:r>
+              <a:rPr lang="en-US" dirty="0"/>
+              <a:t>Image source: www.researchgate.com</a:t>
+            </a:r>
+            <a:endParaRPr lang="pt-BR" dirty="0"/>
+          </a:p>
+        </p:txBody>
+      </p:sp>
     </p:spTree>
     <p:extLst>
       <p:ext uri="{BB962C8B-B14F-4D97-AF65-F5344CB8AC3E}">
@@ -4134,164 +4034,6 @@
 </file>
 
 <file path=ppt/slides/slide5.xml><?xml version="1.0" encoding="utf-8"?>
-<p:sld xmlns:a="http://schemas.openxmlformats.org/drawingml/2006/main" xmlns:r="http://schemas.openxmlformats.org/officeDocument/2006/relationships" xmlns:p="http://schemas.openxmlformats.org/presentationml/2006/main">
-  <p:cSld>
-    <p:spTree>
-      <p:nvGrpSpPr>
-        <p:cNvPr id="1" name=""/>
-        <p:cNvGrpSpPr/>
-        <p:nvPr/>
-      </p:nvGrpSpPr>
-      <p:grpSpPr>
-        <a:xfrm>
-          <a:off x="0" y="0"/>
-          <a:ext cx="0" cy="0"/>
-          <a:chOff x="0" y="0"/>
-          <a:chExt cx="0" cy="0"/>
-        </a:xfrm>
-      </p:grpSpPr>
-      <p:sp>
-        <p:nvSpPr>
-          <p:cNvPr id="2" name="Title 1">
-            <a:extLst>
-              <a:ext uri="{FF2B5EF4-FFF2-40B4-BE49-F238E27FC236}">
-                <a16:creationId xmlns:a16="http://schemas.microsoft.com/office/drawing/2014/main" id="{529A480F-02E9-B8FC-0117-E66DD1255B4E}"/>
-              </a:ext>
-            </a:extLst>
-          </p:cNvPr>
-          <p:cNvSpPr>
-            <a:spLocks noGrp="1"/>
-          </p:cNvSpPr>
-          <p:nvPr>
-            <p:ph type="title"/>
-          </p:nvPr>
-        </p:nvSpPr>
-        <p:spPr/>
-        <p:txBody>
-          <a:bodyPr/>
-          <a:lstStyle/>
-          <a:p>
-            <a:r>
-              <a:rPr lang="en-US" dirty="0"/>
-              <a:t>Neural Networks - Perceptron</a:t>
-            </a:r>
-          </a:p>
-        </p:txBody>
-      </p:sp>
-      <p:sp>
-        <p:nvSpPr>
-          <p:cNvPr id="3" name="Content Placeholder 2">
-            <a:extLst>
-              <a:ext uri="{FF2B5EF4-FFF2-40B4-BE49-F238E27FC236}">
-                <a16:creationId xmlns:a16="http://schemas.microsoft.com/office/drawing/2014/main" id="{13BCC9B4-BA1F-E5B4-8F56-592D34340245}"/>
-              </a:ext>
-            </a:extLst>
-          </p:cNvPr>
-          <p:cNvSpPr>
-            <a:spLocks noGrp="1"/>
-          </p:cNvSpPr>
-          <p:nvPr>
-            <p:ph idx="1"/>
-          </p:nvPr>
-        </p:nvSpPr>
-        <p:spPr>
-          <a:xfrm>
-            <a:off x="838200" y="1825625"/>
-            <a:ext cx="10379927" cy="4351338"/>
-          </a:xfrm>
-        </p:spPr>
-        <p:txBody>
-          <a:bodyPr/>
-          <a:lstStyle/>
-          <a:p>
-            <a:r>
-              <a:rPr lang="en-US" dirty="0"/>
-              <a:t>In 1958 </a:t>
-            </a:r>
-            <a:r>
-              <a:rPr lang="en-US" b="0" i="0" dirty="0">
-                <a:solidFill>
-                  <a:srgbClr val="000000"/>
-                </a:solidFill>
-                <a:effectLst/>
-                <a:latin typeface="freight-text-pro-n4"/>
-              </a:rPr>
-              <a:t>Frank Rosenblatt in</a:t>
-            </a:r>
-            <a:r>
-              <a:rPr lang="en-US" dirty="0">
-                <a:solidFill>
-                  <a:srgbClr val="000000"/>
-                </a:solidFill>
-                <a:latin typeface="freight-text-pro-n4"/>
-              </a:rPr>
-              <a:t>vented a machine called the perceptron</a:t>
-            </a:r>
-            <a:endParaRPr lang="en-US" dirty="0"/>
-          </a:p>
-        </p:txBody>
-      </p:sp>
-      <p:pic>
-        <p:nvPicPr>
-          <p:cNvPr id="1028" name="Picture 4">
-            <a:extLst>
-              <a:ext uri="{FF2B5EF4-FFF2-40B4-BE49-F238E27FC236}">
-                <a16:creationId xmlns:a16="http://schemas.microsoft.com/office/drawing/2014/main" id="{08FACE20-CB36-8CBD-8213-6704BE194700}"/>
-              </a:ext>
-            </a:extLst>
-          </p:cNvPr>
-          <p:cNvPicPr>
-            <a:picLocks noChangeAspect="1" noChangeArrowheads="1"/>
-          </p:cNvPicPr>
-          <p:nvPr/>
-        </p:nvPicPr>
-        <p:blipFill>
-          <a:blip r:embed="rId2">
-            <a:extLst>
-              <a:ext uri="{28A0092B-C50C-407E-A947-70E740481C1C}">
-                <a14:useLocalDpi xmlns:a14="http://schemas.microsoft.com/office/drawing/2010/main" val="0"/>
-              </a:ext>
-            </a:extLst>
-          </a:blip>
-          <a:srcRect/>
-          <a:stretch>
-            <a:fillRect/>
-          </a:stretch>
-        </p:blipFill>
-        <p:spPr bwMode="auto">
-          <a:xfrm>
-            <a:off x="2192839" y="2511887"/>
-            <a:ext cx="8096250" cy="3933825"/>
-          </a:xfrm>
-          <a:prstGeom prst="rect">
-            <a:avLst/>
-          </a:prstGeom>
-          <a:noFill/>
-          <a:extLst>
-            <a:ext uri="{909E8E84-426E-40DD-AFC4-6F175D3DCCD1}">
-              <a14:hiddenFill xmlns:a14="http://schemas.microsoft.com/office/drawing/2010/main">
-                <a:solidFill>
-                  <a:srgbClr val="FFFFFF"/>
-                </a:solidFill>
-              </a14:hiddenFill>
-            </a:ext>
-          </a:extLst>
-        </p:spPr>
-      </p:pic>
-    </p:spTree>
-    <p:extLst>
-      <p:ext uri="{BB962C8B-B14F-4D97-AF65-F5344CB8AC3E}">
-        <p14:creationId xmlns:p14="http://schemas.microsoft.com/office/powerpoint/2010/main" val="2598044085"/>
-      </p:ext>
-    </p:extLst>
-  </p:cSld>
-  <p:clrMapOvr>
-    <a:masterClrMapping/>
-  </p:clrMapOvr>
-</p:sld>
-</file>
-
-<file path=ppt/slides/slide6.xml><?xml version="1.0" encoding="utf-8"?>
 <p:sld xmlns:a="http://schemas.openxmlformats.org/drawingml/2006/main" xmlns:r="http://schemas.openxmlformats.org/officeDocument/2006/relationships" xmlns:p="http://schemas.openxmlformats.org/presentationml/2006/main">
   <p:cSld>
     <p:spTree>
@@ -5337,7 +5079,7 @@
 </p:sld>
 </file>
 
-<file path=ppt/slides/slide7.xml><?xml version="1.0" encoding="utf-8"?>
+<file path=ppt/slides/slide6.xml><?xml version="1.0" encoding="utf-8"?>
 <p:sld xmlns:a="http://schemas.openxmlformats.org/drawingml/2006/main" xmlns:r="http://schemas.openxmlformats.org/officeDocument/2006/relationships" xmlns:p="http://schemas.openxmlformats.org/presentationml/2006/main">
   <p:cSld>
     <p:spTree>
@@ -5530,6 +5272,42 @@
           </a:extLst>
         </p:spPr>
       </p:pic>
+      <p:sp>
+        <p:nvSpPr>
+          <p:cNvPr id="4" name="TextBox 3">
+            <a:extLst>
+              <a:ext uri="{FF2B5EF4-FFF2-40B4-BE49-F238E27FC236}">
+                <a16:creationId xmlns:a16="http://schemas.microsoft.com/office/drawing/2014/main" id="{7C9107CA-68E0-3D14-5BC7-29EC3A6862C5}"/>
+              </a:ext>
+            </a:extLst>
+          </p:cNvPr>
+          <p:cNvSpPr txBox="1"/>
+          <p:nvPr/>
+        </p:nvSpPr>
+        <p:spPr>
+          <a:xfrm>
+            <a:off x="1214444" y="6386519"/>
+            <a:ext cx="10515600" cy="369332"/>
+          </a:xfrm>
+          <a:prstGeom prst="rect">
+            <a:avLst/>
+          </a:prstGeom>
+          <a:noFill/>
+        </p:spPr>
+        <p:txBody>
+          <a:bodyPr wrap="square" rtlCol="0">
+            <a:spAutoFit/>
+          </a:bodyPr>
+          <a:lstStyle/>
+          <a:p>
+            <a:r>
+              <a:rPr lang="pt-BR"/>
+              <a:t>https://francescolelli.info/tutorial/neural-networks-a-collection-of-youtube-videos-for-learning-the-basics/</a:t>
+            </a:r>
+            <a:endParaRPr lang="pt-BR" dirty="0"/>
+          </a:p>
+        </p:txBody>
+      </p:sp>
     </p:spTree>
     <p:extLst>
       <p:ext uri="{BB962C8B-B14F-4D97-AF65-F5344CB8AC3E}">
@@ -5543,7 +5321,7 @@
 </p:sld>
 </file>
 
-<file path=ppt/slides/slide8.xml><?xml version="1.0" encoding="utf-8"?>
+<file path=ppt/slides/slide7.xml><?xml version="1.0" encoding="utf-8"?>
 <p:sld xmlns:a="http://schemas.openxmlformats.org/drawingml/2006/main" xmlns:r="http://schemas.openxmlformats.org/officeDocument/2006/relationships" xmlns:p="http://schemas.openxmlformats.org/presentationml/2006/main">
   <p:cSld>
     <p:spTree>
@@ -5776,7 +5554,7 @@
 </p:sld>
 </file>
 
-<file path=ppt/slides/slide9.xml><?xml version="1.0" encoding="utf-8"?>
+<file path=ppt/slides/slide8.xml><?xml version="1.0" encoding="utf-8"?>
 <p:sld xmlns:a="http://schemas.openxmlformats.org/drawingml/2006/main" xmlns:r="http://schemas.openxmlformats.org/officeDocument/2006/relationships" xmlns:p="http://schemas.openxmlformats.org/presentationml/2006/main">
   <p:cSld>
     <p:spTree>
@@ -5955,6 +5733,217 @@
     <p:extLst>
       <p:ext uri="{BB962C8B-B14F-4D97-AF65-F5344CB8AC3E}">
         <p14:creationId xmlns:p14="http://schemas.microsoft.com/office/powerpoint/2010/main" val="4082608282"/>
+      </p:ext>
+    </p:extLst>
+  </p:cSld>
+  <p:clrMapOvr>
+    <a:masterClrMapping/>
+  </p:clrMapOvr>
+</p:sld>
+</file>
+
+<file path=ppt/slides/slide9.xml><?xml version="1.0" encoding="utf-8"?>
+<p:sld xmlns:a="http://schemas.openxmlformats.org/drawingml/2006/main" xmlns:r="http://schemas.openxmlformats.org/officeDocument/2006/relationships" xmlns:p="http://schemas.openxmlformats.org/presentationml/2006/main">
+  <p:cSld>
+    <p:spTree>
+      <p:nvGrpSpPr>
+        <p:cNvPr id="1" name=""/>
+        <p:cNvGrpSpPr/>
+        <p:nvPr/>
+      </p:nvGrpSpPr>
+      <p:grpSpPr>
+        <a:xfrm>
+          <a:off x="0" y="0"/>
+          <a:ext cx="0" cy="0"/>
+          <a:chOff x="0" y="0"/>
+          <a:chExt cx="0" cy="0"/>
+        </a:xfrm>
+      </p:grpSpPr>
+      <p:sp>
+        <p:nvSpPr>
+          <p:cNvPr id="2" name="Title 1">
+            <a:extLst>
+              <a:ext uri="{FF2B5EF4-FFF2-40B4-BE49-F238E27FC236}">
+                <a16:creationId xmlns:a16="http://schemas.microsoft.com/office/drawing/2014/main" id="{E3EA95B2-3C93-060D-6CAD-9B0E79939AA7}"/>
+              </a:ext>
+            </a:extLst>
+          </p:cNvPr>
+          <p:cNvSpPr>
+            <a:spLocks noGrp="1"/>
+          </p:cNvSpPr>
+          <p:nvPr>
+            <p:ph type="title"/>
+          </p:nvPr>
+        </p:nvSpPr>
+        <p:spPr/>
+        <p:txBody>
+          <a:bodyPr/>
+          <a:lstStyle/>
+          <a:p>
+            <a:r>
+              <a:rPr lang="en-US" dirty="0"/>
+              <a:t>Neural Networks – Example</a:t>
+            </a:r>
+          </a:p>
+        </p:txBody>
+      </p:sp>
+      <p:sp>
+        <p:nvSpPr>
+          <p:cNvPr id="3" name="Content Placeholder 2">
+            <a:extLst>
+              <a:ext uri="{FF2B5EF4-FFF2-40B4-BE49-F238E27FC236}">
+                <a16:creationId xmlns:a16="http://schemas.microsoft.com/office/drawing/2014/main" id="{C48BFDF9-783B-141D-3DA2-796F6B3ED0F3}"/>
+              </a:ext>
+            </a:extLst>
+          </p:cNvPr>
+          <p:cNvSpPr>
+            <a:spLocks noGrp="1"/>
+          </p:cNvSpPr>
+          <p:nvPr>
+            <p:ph idx="1"/>
+          </p:nvPr>
+        </p:nvSpPr>
+        <p:spPr>
+          <a:xfrm>
+            <a:off x="838200" y="2468880"/>
+            <a:ext cx="6846849" cy="3864199"/>
+          </a:xfrm>
+        </p:spPr>
+        <p:txBody>
+          <a:bodyPr>
+            <a:normAutofit/>
+          </a:bodyPr>
+          <a:lstStyle/>
+          <a:p>
+            <a:r>
+              <a:rPr lang="en-US" dirty="0"/>
+              <a:t>This uses the MNIST dataset</a:t>
+            </a:r>
+          </a:p>
+          <a:p>
+            <a:endParaRPr lang="en-US" dirty="0"/>
+          </a:p>
+          <a:p>
+            <a:r>
+              <a:rPr lang="en-US" dirty="0"/>
+              <a:t>Each number is a separate</a:t>
+            </a:r>
+          </a:p>
+          <a:p>
+            <a:pPr marL="0" indent="0">
+              <a:buNone/>
+            </a:pPr>
+            <a:r>
+              <a:rPr lang="en-US" dirty="0"/>
+              <a:t>Image.</a:t>
+            </a:r>
+          </a:p>
+          <a:p>
+            <a:pPr marL="0" indent="0">
+              <a:buNone/>
+            </a:pPr>
+            <a:endParaRPr lang="en-US" dirty="0"/>
+          </a:p>
+          <a:p>
+            <a:r>
+              <a:rPr lang="en-US" dirty="0"/>
+              <a:t>Each number is labelled</a:t>
+            </a:r>
+          </a:p>
+          <a:p>
+            <a:pPr marL="0" indent="0">
+              <a:buNone/>
+            </a:pPr>
+            <a:endParaRPr lang="en-US" dirty="0"/>
+          </a:p>
+        </p:txBody>
+      </p:sp>
+      <p:pic>
+        <p:nvPicPr>
+          <p:cNvPr id="3074" name="Picture 2">
+            <a:extLst>
+              <a:ext uri="{FF2B5EF4-FFF2-40B4-BE49-F238E27FC236}">
+                <a16:creationId xmlns:a16="http://schemas.microsoft.com/office/drawing/2014/main" id="{0B999B7C-56EF-5412-CE99-77F23D04C21C}"/>
+              </a:ext>
+            </a:extLst>
+          </p:cNvPr>
+          <p:cNvPicPr>
+            <a:picLocks noChangeAspect="1" noChangeArrowheads="1"/>
+          </p:cNvPicPr>
+          <p:nvPr/>
+        </p:nvPicPr>
+        <p:blipFill>
+          <a:blip r:embed="rId2">
+            <a:extLst>
+              <a:ext uri="{28A0092B-C50C-407E-A947-70E740481C1C}">
+                <a14:useLocalDpi xmlns:a14="http://schemas.microsoft.com/office/drawing/2010/main" val="0"/>
+              </a:ext>
+            </a:extLst>
+          </a:blip>
+          <a:srcRect/>
+          <a:stretch>
+            <a:fillRect/>
+          </a:stretch>
+        </p:blipFill>
+        <p:spPr bwMode="auto">
+          <a:xfrm>
+            <a:off x="5703292" y="2379935"/>
+            <a:ext cx="5750027" cy="3377275"/>
+          </a:xfrm>
+          <a:prstGeom prst="rect">
+            <a:avLst/>
+          </a:prstGeom>
+          <a:noFill/>
+          <a:extLst>
+            <a:ext uri="{909E8E84-426E-40DD-AFC4-6F175D3DCCD1}">
+              <a14:hiddenFill xmlns:a14="http://schemas.microsoft.com/office/drawing/2010/main">
+                <a:solidFill>
+                  <a:srgbClr val="FFFFFF"/>
+                </a:solidFill>
+              </a14:hiddenFill>
+            </a:ext>
+          </a:extLst>
+        </p:spPr>
+      </p:pic>
+      <p:sp>
+        <p:nvSpPr>
+          <p:cNvPr id="4" name="TextBox 3">
+            <a:extLst>
+              <a:ext uri="{FF2B5EF4-FFF2-40B4-BE49-F238E27FC236}">
+                <a16:creationId xmlns:a16="http://schemas.microsoft.com/office/drawing/2014/main" id="{C61A66CA-920A-A67F-ACE1-168DC6F13423}"/>
+              </a:ext>
+            </a:extLst>
+          </p:cNvPr>
+          <p:cNvSpPr txBox="1"/>
+          <p:nvPr/>
+        </p:nvSpPr>
+        <p:spPr>
+          <a:xfrm>
+            <a:off x="2600331" y="6257928"/>
+            <a:ext cx="8072433" cy="369332"/>
+          </a:xfrm>
+          <a:prstGeom prst="rect">
+            <a:avLst/>
+          </a:prstGeom>
+          <a:noFill/>
+        </p:spPr>
+        <p:txBody>
+          <a:bodyPr wrap="square" rtlCol="0">
+            <a:spAutoFit/>
+          </a:bodyPr>
+          <a:lstStyle/>
+          <a:p>
+            <a:r>
+              <a:rPr lang="pt-BR" dirty="0"/>
+              <a:t>Image souce: https://en.wikipedia.org/wiki/File:MnistExamplesModified.png</a:t>
+            </a:r>
+          </a:p>
+        </p:txBody>
+      </p:sp>
+    </p:spTree>
+    <p:extLst>
+      <p:ext uri="{BB962C8B-B14F-4D97-AF65-F5344CB8AC3E}">
+        <p14:creationId xmlns:p14="http://schemas.microsoft.com/office/powerpoint/2010/main" val="27158762"/>
       </p:ext>
     </p:extLst>
   </p:cSld>
